--- a/presentations/Understanding HTTP.pptx
+++ b/presentations/Understanding HTTP.pptx
@@ -213,7 +213,8 @@
           <a:p>
             <a:fld id="{D56D5BA7-B707-45D4-A387-3F9FDC15B41A}" type="datetimeFigureOut">
               <a:rPr lang="en-US" smtClean="0"/>
-              <a:t>3/15/2013</a:t>
+              <a:pPr/>
+              <a:t>3/17/2013</a:t>
             </a:fld>
             <a:endParaRPr lang="en-US"/>
           </a:p>
@@ -372,6 +373,7 @@
           <a:p>
             <a:fld id="{1BAB9FF4-AA6D-402C-8BBD-98529578E01B}" type="slidenum">
               <a:rPr lang="en-US" smtClean="0"/>
+              <a:pPr/>
               <a:t>‹#›</a:t>
             </a:fld>
             <a:endParaRPr lang="en-US"/>
@@ -381,7 +383,7 @@
     </p:spTree>
     <p:extLst>
       <p:ext uri="{BB962C8B-B14F-4D97-AF65-F5344CB8AC3E}">
-        <p14:creationId xmlns:p14="http://schemas.microsoft.com/office/powerpoint/2010/main" val="3922155303"/>
+        <p14:creationId xmlns:p14="http://schemas.microsoft.com/office/powerpoint/2010/main" xmlns="" val="3922155303"/>
       </p:ext>
     </p:extLst>
   </p:cSld>
@@ -2690,7 +2692,8 @@
           <a:p>
             <a:fld id="{C7281C71-67CB-4B59-A913-96D3D28CB4D7}" type="datetimeFigureOut">
               <a:rPr lang="en-US" smtClean="0"/>
-              <a:t>3/15/2013</a:t>
+              <a:pPr/>
+              <a:t>3/17/2013</a:t>
             </a:fld>
             <a:endParaRPr lang="en-US"/>
           </a:p>
@@ -2732,6 +2735,7 @@
           <a:p>
             <a:fld id="{BFB19C03-38E8-41D9-9FE9-8743800C984D}" type="slidenum">
               <a:rPr lang="en-US" smtClean="0"/>
+              <a:pPr/>
               <a:t>‹#›</a:t>
             </a:fld>
             <a:endParaRPr lang="en-US"/>
@@ -2741,7 +2745,7 @@
     </p:spTree>
     <p:extLst>
       <p:ext uri="{BB962C8B-B14F-4D97-AF65-F5344CB8AC3E}">
-        <p14:creationId xmlns:p14="http://schemas.microsoft.com/office/powerpoint/2010/main" val="3467862241"/>
+        <p14:creationId xmlns:p14="http://schemas.microsoft.com/office/powerpoint/2010/main" xmlns="" val="3467862241"/>
       </p:ext>
     </p:extLst>
   </p:cSld>
@@ -2860,7 +2864,8 @@
           <a:p>
             <a:fld id="{C7281C71-67CB-4B59-A913-96D3D28CB4D7}" type="datetimeFigureOut">
               <a:rPr lang="en-US" smtClean="0"/>
-              <a:t>3/15/2013</a:t>
+              <a:pPr/>
+              <a:t>3/17/2013</a:t>
             </a:fld>
             <a:endParaRPr lang="en-US"/>
           </a:p>
@@ -2902,6 +2907,7 @@
           <a:p>
             <a:fld id="{BFB19C03-38E8-41D9-9FE9-8743800C984D}" type="slidenum">
               <a:rPr lang="en-US" smtClean="0"/>
+              <a:pPr/>
               <a:t>‹#›</a:t>
             </a:fld>
             <a:endParaRPr lang="en-US"/>
@@ -2911,7 +2917,7 @@
     </p:spTree>
     <p:extLst>
       <p:ext uri="{BB962C8B-B14F-4D97-AF65-F5344CB8AC3E}">
-        <p14:creationId xmlns:p14="http://schemas.microsoft.com/office/powerpoint/2010/main" val="208447655"/>
+        <p14:creationId xmlns:p14="http://schemas.microsoft.com/office/powerpoint/2010/main" xmlns="" val="208447655"/>
       </p:ext>
     </p:extLst>
   </p:cSld>
@@ -3040,7 +3046,8 @@
           <a:p>
             <a:fld id="{C7281C71-67CB-4B59-A913-96D3D28CB4D7}" type="datetimeFigureOut">
               <a:rPr lang="en-US" smtClean="0"/>
-              <a:t>3/15/2013</a:t>
+              <a:pPr/>
+              <a:t>3/17/2013</a:t>
             </a:fld>
             <a:endParaRPr lang="en-US"/>
           </a:p>
@@ -3082,6 +3089,7 @@
           <a:p>
             <a:fld id="{BFB19C03-38E8-41D9-9FE9-8743800C984D}" type="slidenum">
               <a:rPr lang="en-US" smtClean="0"/>
+              <a:pPr/>
               <a:t>‹#›</a:t>
             </a:fld>
             <a:endParaRPr lang="en-US"/>
@@ -3091,7 +3099,7 @@
     </p:spTree>
     <p:extLst>
       <p:ext uri="{BB962C8B-B14F-4D97-AF65-F5344CB8AC3E}">
-        <p14:creationId xmlns:p14="http://schemas.microsoft.com/office/powerpoint/2010/main" val="2703934747"/>
+        <p14:creationId xmlns:p14="http://schemas.microsoft.com/office/powerpoint/2010/main" xmlns="" val="2703934747"/>
       </p:ext>
     </p:extLst>
   </p:cSld>
@@ -3210,7 +3218,8 @@
           <a:p>
             <a:fld id="{C7281C71-67CB-4B59-A913-96D3D28CB4D7}" type="datetimeFigureOut">
               <a:rPr lang="en-US" smtClean="0"/>
-              <a:t>3/15/2013</a:t>
+              <a:pPr/>
+              <a:t>3/17/2013</a:t>
             </a:fld>
             <a:endParaRPr lang="en-US"/>
           </a:p>
@@ -3252,6 +3261,7 @@
           <a:p>
             <a:fld id="{BFB19C03-38E8-41D9-9FE9-8743800C984D}" type="slidenum">
               <a:rPr lang="en-US" smtClean="0"/>
+              <a:pPr/>
               <a:t>‹#›</a:t>
             </a:fld>
             <a:endParaRPr lang="en-US"/>
@@ -3261,7 +3271,7 @@
     </p:spTree>
     <p:extLst>
       <p:ext uri="{BB962C8B-B14F-4D97-AF65-F5344CB8AC3E}">
-        <p14:creationId xmlns:p14="http://schemas.microsoft.com/office/powerpoint/2010/main" val="4172054443"/>
+        <p14:creationId xmlns:p14="http://schemas.microsoft.com/office/powerpoint/2010/main" xmlns="" val="4172054443"/>
       </p:ext>
     </p:extLst>
   </p:cSld>
@@ -3456,7 +3466,8 @@
           <a:p>
             <a:fld id="{C7281C71-67CB-4B59-A913-96D3D28CB4D7}" type="datetimeFigureOut">
               <a:rPr lang="en-US" smtClean="0"/>
-              <a:t>3/15/2013</a:t>
+              <a:pPr/>
+              <a:t>3/17/2013</a:t>
             </a:fld>
             <a:endParaRPr lang="en-US"/>
           </a:p>
@@ -3498,6 +3509,7 @@
           <a:p>
             <a:fld id="{BFB19C03-38E8-41D9-9FE9-8743800C984D}" type="slidenum">
               <a:rPr lang="en-US" smtClean="0"/>
+              <a:pPr/>
               <a:t>‹#›</a:t>
             </a:fld>
             <a:endParaRPr lang="en-US"/>
@@ -3507,7 +3519,7 @@
     </p:spTree>
     <p:extLst>
       <p:ext uri="{BB962C8B-B14F-4D97-AF65-F5344CB8AC3E}">
-        <p14:creationId xmlns:p14="http://schemas.microsoft.com/office/powerpoint/2010/main" val="542541061"/>
+        <p14:creationId xmlns:p14="http://schemas.microsoft.com/office/powerpoint/2010/main" xmlns="" val="542541061"/>
       </p:ext>
     </p:extLst>
   </p:cSld>
@@ -3744,7 +3756,8 @@
           <a:p>
             <a:fld id="{C7281C71-67CB-4B59-A913-96D3D28CB4D7}" type="datetimeFigureOut">
               <a:rPr lang="en-US" smtClean="0"/>
-              <a:t>3/15/2013</a:t>
+              <a:pPr/>
+              <a:t>3/17/2013</a:t>
             </a:fld>
             <a:endParaRPr lang="en-US"/>
           </a:p>
@@ -3786,6 +3799,7 @@
           <a:p>
             <a:fld id="{BFB19C03-38E8-41D9-9FE9-8743800C984D}" type="slidenum">
               <a:rPr lang="en-US" smtClean="0"/>
+              <a:pPr/>
               <a:t>‹#›</a:t>
             </a:fld>
             <a:endParaRPr lang="en-US"/>
@@ -3795,7 +3809,7 @@
     </p:spTree>
     <p:extLst>
       <p:ext uri="{BB962C8B-B14F-4D97-AF65-F5344CB8AC3E}">
-        <p14:creationId xmlns:p14="http://schemas.microsoft.com/office/powerpoint/2010/main" val="963381186"/>
+        <p14:creationId xmlns:p14="http://schemas.microsoft.com/office/powerpoint/2010/main" xmlns="" val="963381186"/>
       </p:ext>
     </p:extLst>
   </p:cSld>
@@ -4166,7 +4180,8 @@
           <a:p>
             <a:fld id="{C7281C71-67CB-4B59-A913-96D3D28CB4D7}" type="datetimeFigureOut">
               <a:rPr lang="en-US" smtClean="0"/>
-              <a:t>3/15/2013</a:t>
+              <a:pPr/>
+              <a:t>3/17/2013</a:t>
             </a:fld>
             <a:endParaRPr lang="en-US"/>
           </a:p>
@@ -4208,6 +4223,7 @@
           <a:p>
             <a:fld id="{BFB19C03-38E8-41D9-9FE9-8743800C984D}" type="slidenum">
               <a:rPr lang="en-US" smtClean="0"/>
+              <a:pPr/>
               <a:t>‹#›</a:t>
             </a:fld>
             <a:endParaRPr lang="en-US"/>
@@ -4217,7 +4233,7 @@
     </p:spTree>
     <p:extLst>
       <p:ext uri="{BB962C8B-B14F-4D97-AF65-F5344CB8AC3E}">
-        <p14:creationId xmlns:p14="http://schemas.microsoft.com/office/powerpoint/2010/main" val="3530483850"/>
+        <p14:creationId xmlns:p14="http://schemas.microsoft.com/office/powerpoint/2010/main" xmlns="" val="3530483850"/>
       </p:ext>
     </p:extLst>
   </p:cSld>
@@ -4284,7 +4300,8 @@
           <a:p>
             <a:fld id="{C7281C71-67CB-4B59-A913-96D3D28CB4D7}" type="datetimeFigureOut">
               <a:rPr lang="en-US" smtClean="0"/>
-              <a:t>3/15/2013</a:t>
+              <a:pPr/>
+              <a:t>3/17/2013</a:t>
             </a:fld>
             <a:endParaRPr lang="en-US"/>
           </a:p>
@@ -4326,6 +4343,7 @@
           <a:p>
             <a:fld id="{BFB19C03-38E8-41D9-9FE9-8743800C984D}" type="slidenum">
               <a:rPr lang="en-US" smtClean="0"/>
+              <a:pPr/>
               <a:t>‹#›</a:t>
             </a:fld>
             <a:endParaRPr lang="en-US"/>
@@ -4335,7 +4353,7 @@
     </p:spTree>
     <p:extLst>
       <p:ext uri="{BB962C8B-B14F-4D97-AF65-F5344CB8AC3E}">
-        <p14:creationId xmlns:p14="http://schemas.microsoft.com/office/powerpoint/2010/main" val="712280365"/>
+        <p14:creationId xmlns:p14="http://schemas.microsoft.com/office/powerpoint/2010/main" xmlns="" val="712280365"/>
       </p:ext>
     </p:extLst>
   </p:cSld>
@@ -4379,7 +4397,8 @@
           <a:p>
             <a:fld id="{C7281C71-67CB-4B59-A913-96D3D28CB4D7}" type="datetimeFigureOut">
               <a:rPr lang="en-US" smtClean="0"/>
-              <a:t>3/15/2013</a:t>
+              <a:pPr/>
+              <a:t>3/17/2013</a:t>
             </a:fld>
             <a:endParaRPr lang="en-US"/>
           </a:p>
@@ -4421,6 +4440,7 @@
           <a:p>
             <a:fld id="{BFB19C03-38E8-41D9-9FE9-8743800C984D}" type="slidenum">
               <a:rPr lang="en-US" smtClean="0"/>
+              <a:pPr/>
               <a:t>‹#›</a:t>
             </a:fld>
             <a:endParaRPr lang="en-US"/>
@@ -4430,7 +4450,7 @@
     </p:spTree>
     <p:extLst>
       <p:ext uri="{BB962C8B-B14F-4D97-AF65-F5344CB8AC3E}">
-        <p14:creationId xmlns:p14="http://schemas.microsoft.com/office/powerpoint/2010/main" val="302299309"/>
+        <p14:creationId xmlns:p14="http://schemas.microsoft.com/office/powerpoint/2010/main" xmlns="" val="302299309"/>
       </p:ext>
     </p:extLst>
   </p:cSld>
@@ -4656,7 +4676,8 @@
           <a:p>
             <a:fld id="{C7281C71-67CB-4B59-A913-96D3D28CB4D7}" type="datetimeFigureOut">
               <a:rPr lang="en-US" smtClean="0"/>
-              <a:t>3/15/2013</a:t>
+              <a:pPr/>
+              <a:t>3/17/2013</a:t>
             </a:fld>
             <a:endParaRPr lang="en-US"/>
           </a:p>
@@ -4698,6 +4719,7 @@
           <a:p>
             <a:fld id="{BFB19C03-38E8-41D9-9FE9-8743800C984D}" type="slidenum">
               <a:rPr lang="en-US" smtClean="0"/>
+              <a:pPr/>
               <a:t>‹#›</a:t>
             </a:fld>
             <a:endParaRPr lang="en-US"/>
@@ -4707,7 +4729,7 @@
     </p:spTree>
     <p:extLst>
       <p:ext uri="{BB962C8B-B14F-4D97-AF65-F5344CB8AC3E}">
-        <p14:creationId xmlns:p14="http://schemas.microsoft.com/office/powerpoint/2010/main" val="3557315535"/>
+        <p14:creationId xmlns:p14="http://schemas.microsoft.com/office/powerpoint/2010/main" xmlns="" val="3557315535"/>
       </p:ext>
     </p:extLst>
   </p:cSld>
@@ -4909,7 +4931,8 @@
           <a:p>
             <a:fld id="{C7281C71-67CB-4B59-A913-96D3D28CB4D7}" type="datetimeFigureOut">
               <a:rPr lang="en-US" smtClean="0"/>
-              <a:t>3/15/2013</a:t>
+              <a:pPr/>
+              <a:t>3/17/2013</a:t>
             </a:fld>
             <a:endParaRPr lang="en-US"/>
           </a:p>
@@ -4951,6 +4974,7 @@
           <a:p>
             <a:fld id="{BFB19C03-38E8-41D9-9FE9-8743800C984D}" type="slidenum">
               <a:rPr lang="en-US" smtClean="0"/>
+              <a:pPr/>
               <a:t>‹#›</a:t>
             </a:fld>
             <a:endParaRPr lang="en-US"/>
@@ -4960,7 +4984,7 @@
     </p:spTree>
     <p:extLst>
       <p:ext uri="{BB962C8B-B14F-4D97-AF65-F5344CB8AC3E}">
-        <p14:creationId xmlns:p14="http://schemas.microsoft.com/office/powerpoint/2010/main" val="4063611200"/>
+        <p14:creationId xmlns:p14="http://schemas.microsoft.com/office/powerpoint/2010/main" xmlns="" val="4063611200"/>
       </p:ext>
     </p:extLst>
   </p:cSld>
@@ -5122,7 +5146,8 @@
           <a:p>
             <a:fld id="{C7281C71-67CB-4B59-A913-96D3D28CB4D7}" type="datetimeFigureOut">
               <a:rPr lang="en-US" smtClean="0"/>
-              <a:t>3/15/2013</a:t>
+              <a:pPr/>
+              <a:t>3/17/2013</a:t>
             </a:fld>
             <a:endParaRPr lang="en-US"/>
           </a:p>
@@ -5200,6 +5225,7 @@
           <a:p>
             <a:fld id="{BFB19C03-38E8-41D9-9FE9-8743800C984D}" type="slidenum">
               <a:rPr lang="en-US" smtClean="0"/>
+              <a:pPr/>
               <a:t>‹#›</a:t>
             </a:fld>
             <a:endParaRPr lang="en-US"/>
@@ -5209,7 +5235,7 @@
     </p:spTree>
     <p:extLst>
       <p:ext uri="{BB962C8B-B14F-4D97-AF65-F5344CB8AC3E}">
-        <p14:creationId xmlns:p14="http://schemas.microsoft.com/office/powerpoint/2010/main" val="467964651"/>
+        <p14:creationId xmlns:p14="http://schemas.microsoft.com/office/powerpoint/2010/main" xmlns="" val="467964651"/>
       </p:ext>
     </p:extLst>
   </p:cSld>
@@ -5687,7 +5713,7 @@
     </p:spTree>
     <p:extLst>
       <p:ext uri="{BB962C8B-B14F-4D97-AF65-F5344CB8AC3E}">
-        <p14:creationId xmlns:p14="http://schemas.microsoft.com/office/powerpoint/2010/main" val="4183032053"/>
+        <p14:creationId xmlns:p14="http://schemas.microsoft.com/office/powerpoint/2010/main" xmlns="" val="4183032053"/>
       </p:ext>
     </p:extLst>
   </p:cSld>
@@ -5839,7 +5865,6 @@
               <a:rPr lang="en-US" sz="4800" dirty="0" smtClean="0"/>
               <a:t>SGML, HTML, &amp; XML</a:t>
             </a:r>
-            <a:endParaRPr lang="en-US" sz="4800" dirty="0" smtClean="0"/>
           </a:p>
         </p:txBody>
       </p:sp>
@@ -6015,7 +6040,7 @@
     </p:spTree>
     <p:extLst>
       <p:ext uri="{BB962C8B-B14F-4D97-AF65-F5344CB8AC3E}">
-        <p14:creationId xmlns:p14="http://schemas.microsoft.com/office/powerpoint/2010/main" val="315697294"/>
+        <p14:creationId xmlns:p14="http://schemas.microsoft.com/office/powerpoint/2010/main" xmlns="" val="315697294"/>
       </p:ext>
     </p:extLst>
   </p:cSld>
@@ -6527,7 +6552,6 @@
               <a:rPr lang="en-US" sz="4800" dirty="0" smtClean="0"/>
               <a:t>JSON</a:t>
             </a:r>
-            <a:endParaRPr lang="en-US" sz="4800" dirty="0" smtClean="0"/>
           </a:p>
         </p:txBody>
       </p:sp>
@@ -6747,7 +6771,7 @@
     </p:spTree>
     <p:extLst>
       <p:ext uri="{BB962C8B-B14F-4D97-AF65-F5344CB8AC3E}">
-        <p14:creationId xmlns:p14="http://schemas.microsoft.com/office/powerpoint/2010/main" val="4028654665"/>
+        <p14:creationId xmlns:p14="http://schemas.microsoft.com/office/powerpoint/2010/main" xmlns="" val="4028654665"/>
       </p:ext>
     </p:extLst>
   </p:cSld>
@@ -7290,7 +7314,6 @@
               <a:rPr lang="en-US" sz="4800" dirty="0" smtClean="0"/>
               <a:t>Example JSON document</a:t>
             </a:r>
-            <a:endParaRPr lang="en-US" sz="4800" dirty="0" smtClean="0"/>
           </a:p>
         </p:txBody>
       </p:sp>
@@ -7619,7 +7642,7 @@
     </p:spTree>
     <p:extLst>
       <p:ext uri="{BB962C8B-B14F-4D97-AF65-F5344CB8AC3E}">
-        <p14:creationId xmlns:p14="http://schemas.microsoft.com/office/powerpoint/2010/main" val="2387081217"/>
+        <p14:creationId xmlns:p14="http://schemas.microsoft.com/office/powerpoint/2010/main" xmlns="" val="2387081217"/>
       </p:ext>
     </p:extLst>
   </p:cSld>
@@ -7771,7 +7794,6 @@
               <a:rPr lang="en-US" sz="4800" dirty="0" smtClean="0"/>
               <a:t>HTTP Request</a:t>
             </a:r>
-            <a:endParaRPr lang="en-US" sz="4800" dirty="0" smtClean="0"/>
           </a:p>
         </p:txBody>
       </p:sp>
@@ -7962,7 +7984,7 @@
     </p:spTree>
     <p:extLst>
       <p:ext uri="{BB962C8B-B14F-4D97-AF65-F5344CB8AC3E}">
-        <p14:creationId xmlns:p14="http://schemas.microsoft.com/office/powerpoint/2010/main" val="1917008603"/>
+        <p14:creationId xmlns:p14="http://schemas.microsoft.com/office/powerpoint/2010/main" xmlns="" val="1917008603"/>
       </p:ext>
     </p:extLst>
   </p:cSld>
@@ -8114,7 +8136,6 @@
               <a:rPr lang="en-US" sz="4800" dirty="0" smtClean="0"/>
               <a:t>Request Methods</a:t>
             </a:r>
-            <a:endParaRPr lang="en-US" sz="4800" dirty="0" smtClean="0"/>
           </a:p>
         </p:txBody>
       </p:sp>
@@ -8393,7 +8414,7 @@
     </p:spTree>
     <p:extLst>
       <p:ext uri="{BB962C8B-B14F-4D97-AF65-F5344CB8AC3E}">
-        <p14:creationId xmlns:p14="http://schemas.microsoft.com/office/powerpoint/2010/main" val="801926068"/>
+        <p14:creationId xmlns:p14="http://schemas.microsoft.com/office/powerpoint/2010/main" xmlns="" val="801926068"/>
       </p:ext>
     </p:extLst>
   </p:cSld>
@@ -9020,7 +9041,6 @@
               <a:rPr lang="en-US" sz="4800" dirty="0" smtClean="0"/>
               <a:t>HTTP Response</a:t>
             </a:r>
-            <a:endParaRPr lang="en-US" sz="4800" dirty="0" smtClean="0"/>
           </a:p>
         </p:txBody>
       </p:sp>
@@ -9214,7 +9234,7 @@
     </p:spTree>
     <p:extLst>
       <p:ext uri="{BB962C8B-B14F-4D97-AF65-F5344CB8AC3E}">
-        <p14:creationId xmlns:p14="http://schemas.microsoft.com/office/powerpoint/2010/main" val="801926068"/>
+        <p14:creationId xmlns:p14="http://schemas.microsoft.com/office/powerpoint/2010/main" xmlns="" val="801926068"/>
       </p:ext>
     </p:extLst>
   </p:cSld>
@@ -9366,7 +9386,6 @@
               <a:rPr lang="en-US" sz="4800" dirty="0" smtClean="0"/>
               <a:t>Response Status codes</a:t>
             </a:r>
-            <a:endParaRPr lang="en-US" sz="4800" dirty="0" smtClean="0"/>
           </a:p>
         </p:txBody>
       </p:sp>
@@ -9592,7 +9611,7 @@
     </p:spTree>
     <p:extLst>
       <p:ext uri="{BB962C8B-B14F-4D97-AF65-F5344CB8AC3E}">
-        <p14:creationId xmlns:p14="http://schemas.microsoft.com/office/powerpoint/2010/main" val="1005537558"/>
+        <p14:creationId xmlns:p14="http://schemas.microsoft.com/office/powerpoint/2010/main" xmlns="" val="1005537558"/>
       </p:ext>
     </p:extLst>
   </p:cSld>
@@ -9915,7 +9934,6 @@
               <a:rPr lang="en-US" sz="4800" dirty="0" smtClean="0"/>
               <a:t>HTTP Session</a:t>
             </a:r>
-            <a:endParaRPr lang="en-US" sz="4800" dirty="0" smtClean="0"/>
           </a:p>
         </p:txBody>
       </p:sp>
@@ -10130,7 +10148,7 @@
     </p:spTree>
     <p:extLst>
       <p:ext uri="{BB962C8B-B14F-4D97-AF65-F5344CB8AC3E}">
-        <p14:creationId xmlns:p14="http://schemas.microsoft.com/office/powerpoint/2010/main" val="801926068"/>
+        <p14:creationId xmlns:p14="http://schemas.microsoft.com/office/powerpoint/2010/main" xmlns="" val="801926068"/>
       </p:ext>
     </p:extLst>
   </p:cSld>
@@ -10671,7 +10689,6 @@
               <a:rPr lang="en-US" sz="4800" dirty="0" smtClean="0"/>
               <a:t>HTTP Headers</a:t>
             </a:r>
-            <a:endParaRPr lang="en-US" sz="4800" dirty="0" smtClean="0"/>
           </a:p>
         </p:txBody>
       </p:sp>
@@ -10828,7 +10845,7 @@
     </p:spTree>
     <p:extLst>
       <p:ext uri="{BB962C8B-B14F-4D97-AF65-F5344CB8AC3E}">
-        <p14:creationId xmlns:p14="http://schemas.microsoft.com/office/powerpoint/2010/main" val="801926068"/>
+        <p14:creationId xmlns:p14="http://schemas.microsoft.com/office/powerpoint/2010/main" xmlns="" val="801926068"/>
       </p:ext>
     </p:extLst>
   </p:cSld>
@@ -11186,7 +11203,6 @@
               <a:rPr lang="en-US" sz="4800" dirty="0" smtClean="0"/>
               <a:t>Common HTTP Headers</a:t>
             </a:r>
-            <a:endParaRPr lang="en-US" sz="4800" dirty="0" smtClean="0"/>
           </a:p>
         </p:txBody>
       </p:sp>
@@ -11465,7 +11481,7 @@
     </p:spTree>
     <p:extLst>
       <p:ext uri="{BB962C8B-B14F-4D97-AF65-F5344CB8AC3E}">
-        <p14:creationId xmlns:p14="http://schemas.microsoft.com/office/powerpoint/2010/main" val="3758055242"/>
+        <p14:creationId xmlns:p14="http://schemas.microsoft.com/office/powerpoint/2010/main" xmlns="" val="3758055242"/>
       </p:ext>
     </p:extLst>
   </p:cSld>
@@ -11617,7 +11633,6 @@
               <a:rPr lang="en-US" sz="4800" dirty="0" smtClean="0"/>
               <a:t>Hypertext Transfer Protocol</a:t>
             </a:r>
-            <a:endParaRPr lang="en-US" sz="4800" dirty="0" smtClean="0"/>
           </a:p>
         </p:txBody>
       </p:sp>
@@ -11788,7 +11803,7 @@
     </p:spTree>
     <p:extLst>
       <p:ext uri="{BB962C8B-B14F-4D97-AF65-F5344CB8AC3E}">
-        <p14:creationId xmlns:p14="http://schemas.microsoft.com/office/powerpoint/2010/main" val="4158060421"/>
+        <p14:creationId xmlns:p14="http://schemas.microsoft.com/office/powerpoint/2010/main" xmlns="" val="4158060421"/>
       </p:ext>
     </p:extLst>
   </p:cSld>
@@ -11940,7 +11955,6 @@
               <a:rPr lang="en-US" sz="4800" dirty="0" smtClean="0"/>
               <a:t>HTTP Body</a:t>
             </a:r>
-            <a:endParaRPr lang="en-US" sz="4800" dirty="0" smtClean="0"/>
           </a:p>
         </p:txBody>
       </p:sp>
@@ -12129,7 +12143,7 @@
     </p:spTree>
     <p:extLst>
       <p:ext uri="{BB962C8B-B14F-4D97-AF65-F5344CB8AC3E}">
-        <p14:creationId xmlns:p14="http://schemas.microsoft.com/office/powerpoint/2010/main" val="801926068"/>
+        <p14:creationId xmlns:p14="http://schemas.microsoft.com/office/powerpoint/2010/main" xmlns="" val="801926068"/>
       </p:ext>
     </p:extLst>
   </p:cSld>
@@ -12756,7 +12770,6 @@
               <a:rPr lang="en-US" sz="4800" dirty="0" smtClean="0"/>
               <a:t>Exercise:</a:t>
             </a:r>
-            <a:endParaRPr lang="en-US" sz="4800" dirty="0" smtClean="0"/>
           </a:p>
         </p:txBody>
       </p:sp>
@@ -12933,7 +12946,7 @@
     </p:spTree>
     <p:extLst>
       <p:ext uri="{BB962C8B-B14F-4D97-AF65-F5344CB8AC3E}">
-        <p14:creationId xmlns:p14="http://schemas.microsoft.com/office/powerpoint/2010/main" val="3875515813"/>
+        <p14:creationId xmlns:p14="http://schemas.microsoft.com/office/powerpoint/2010/main" xmlns="" val="3875515813"/>
       </p:ext>
     </p:extLst>
   </p:cSld>
@@ -13348,7 +13361,6 @@
               <a:rPr lang="en-US" sz="4800" dirty="0" smtClean="0"/>
               <a:t>Exercise:</a:t>
             </a:r>
-            <a:endParaRPr lang="en-US" sz="4800" dirty="0" smtClean="0"/>
           </a:p>
         </p:txBody>
       </p:sp>
@@ -13495,7 +13507,7 @@
     </p:spTree>
     <p:extLst>
       <p:ext uri="{BB962C8B-B14F-4D97-AF65-F5344CB8AC3E}">
-        <p14:creationId xmlns:p14="http://schemas.microsoft.com/office/powerpoint/2010/main" val="2627329130"/>
+        <p14:creationId xmlns:p14="http://schemas.microsoft.com/office/powerpoint/2010/main" xmlns="" val="2627329130"/>
       </p:ext>
     </p:extLst>
   </p:cSld>
@@ -13768,7 +13780,6 @@
               <a:rPr lang="en-US" sz="4800" dirty="0" smtClean="0"/>
               <a:t>URLs</a:t>
             </a:r>
-            <a:endParaRPr lang="en-US" sz="4800" dirty="0" smtClean="0"/>
           </a:p>
         </p:txBody>
       </p:sp>
@@ -13979,7 +13990,7 @@
     </p:spTree>
     <p:extLst>
       <p:ext uri="{BB962C8B-B14F-4D97-AF65-F5344CB8AC3E}">
-        <p14:creationId xmlns:p14="http://schemas.microsoft.com/office/powerpoint/2010/main" val="1698539954"/>
+        <p14:creationId xmlns:p14="http://schemas.microsoft.com/office/powerpoint/2010/main" xmlns="" val="1698539954"/>
       </p:ext>
     </p:extLst>
   </p:cSld>
@@ -14520,7 +14531,6 @@
               <a:rPr lang="en-US" sz="4800" dirty="0" smtClean="0"/>
               <a:t>Resources</a:t>
             </a:r>
-            <a:endParaRPr lang="en-US" sz="4800" dirty="0" smtClean="0"/>
           </a:p>
         </p:txBody>
       </p:sp>
@@ -14711,7 +14721,7 @@
     </p:spTree>
     <p:extLst>
       <p:ext uri="{BB962C8B-B14F-4D97-AF65-F5344CB8AC3E}">
-        <p14:creationId xmlns:p14="http://schemas.microsoft.com/office/powerpoint/2010/main" val="749838377"/>
+        <p14:creationId xmlns:p14="http://schemas.microsoft.com/office/powerpoint/2010/main" xmlns="" val="749838377"/>
       </p:ext>
     </p:extLst>
   </p:cSld>
@@ -14947,7 +14957,6 @@
               <a:rPr lang="en-US" sz="4800" dirty="0" smtClean="0"/>
               <a:t>Hyperlinks</a:t>
             </a:r>
-            <a:endParaRPr lang="en-US" sz="4800" dirty="0" smtClean="0"/>
           </a:p>
         </p:txBody>
       </p:sp>
@@ -15130,7 +15139,7 @@
     </p:spTree>
     <p:extLst>
       <p:ext uri="{BB962C8B-B14F-4D97-AF65-F5344CB8AC3E}">
-        <p14:creationId xmlns:p14="http://schemas.microsoft.com/office/powerpoint/2010/main" val="315697294"/>
+        <p14:creationId xmlns:p14="http://schemas.microsoft.com/office/powerpoint/2010/main" xmlns="" val="315697294"/>
       </p:ext>
     </p:extLst>
   </p:cSld>
@@ -15366,7 +15375,6 @@
               <a:rPr lang="en-US" sz="4800" dirty="0" smtClean="0"/>
               <a:t>HTML</a:t>
             </a:r>
-            <a:endParaRPr lang="en-US" sz="4800" dirty="0" smtClean="0"/>
           </a:p>
         </p:txBody>
       </p:sp>
@@ -15578,7 +15586,7 @@
     </p:spTree>
     <p:extLst>
       <p:ext uri="{BB962C8B-B14F-4D97-AF65-F5344CB8AC3E}">
-        <p14:creationId xmlns:p14="http://schemas.microsoft.com/office/powerpoint/2010/main" val="315697294"/>
+        <p14:creationId xmlns:p14="http://schemas.microsoft.com/office/powerpoint/2010/main" xmlns="" val="315697294"/>
       </p:ext>
     </p:extLst>
   </p:cSld>
@@ -16121,7 +16129,6 @@
               <a:rPr lang="en-US" sz="4800" dirty="0" smtClean="0"/>
               <a:t>Example HTML document</a:t>
             </a:r>
-            <a:endParaRPr lang="en-US" sz="4800" dirty="0" smtClean="0"/>
           </a:p>
         </p:txBody>
       </p:sp>
@@ -16505,7 +16512,7 @@
     </p:spTree>
     <p:extLst>
       <p:ext uri="{BB962C8B-B14F-4D97-AF65-F5344CB8AC3E}">
-        <p14:creationId xmlns:p14="http://schemas.microsoft.com/office/powerpoint/2010/main" val="3044382884"/>
+        <p14:creationId xmlns:p14="http://schemas.microsoft.com/office/powerpoint/2010/main" xmlns="" val="3044382884"/>
       </p:ext>
     </p:extLst>
   </p:cSld>
@@ -16736,7 +16743,6 @@
               <a:rPr lang="en-US" sz="4800" dirty="0" smtClean="0"/>
               <a:t>XML</a:t>
             </a:r>
-            <a:endParaRPr lang="en-US" sz="4800" dirty="0" smtClean="0"/>
           </a:p>
         </p:txBody>
       </p:sp>
@@ -16957,7 +16963,7 @@
     </p:spTree>
     <p:extLst>
       <p:ext uri="{BB962C8B-B14F-4D97-AF65-F5344CB8AC3E}">
-        <p14:creationId xmlns:p14="http://schemas.microsoft.com/office/powerpoint/2010/main" val="239931669"/>
+        <p14:creationId xmlns:p14="http://schemas.microsoft.com/office/powerpoint/2010/main" xmlns="" val="239931669"/>
       </p:ext>
     </p:extLst>
   </p:cSld>
@@ -17530,7 +17536,6 @@
               <a:rPr lang="en-US" sz="2400" dirty="0" smtClean="0"/>
               <a:t>Example XML Document</a:t>
             </a:r>
-            <a:endParaRPr lang="en-US" sz="2400" dirty="0" smtClean="0"/>
           </a:p>
         </p:txBody>
       </p:sp>
@@ -17953,14 +17958,13 @@
               <a:rPr lang="en-US" sz="2400" dirty="0" smtClean="0"/>
               <a:t>Example XML DTD</a:t>
             </a:r>
-            <a:endParaRPr lang="en-US" sz="2400" dirty="0" smtClean="0"/>
           </a:p>
         </p:txBody>
       </p:sp>
     </p:spTree>
     <p:extLst>
       <p:ext uri="{BB962C8B-B14F-4D97-AF65-F5344CB8AC3E}">
-        <p14:creationId xmlns:p14="http://schemas.microsoft.com/office/powerpoint/2010/main" val="4137992742"/>
+        <p14:creationId xmlns:p14="http://schemas.microsoft.com/office/powerpoint/2010/main" xmlns="" val="4137992742"/>
       </p:ext>
     </p:extLst>
   </p:cSld>
